--- a/results/Simulation_10.10.2020/Real_DataPanel.pptx
+++ b/results/Simulation_10.10.2020/Real_DataPanel.pptx
@@ -104,6 +104,11 @@
       </a:defRPr>
     </a:lvl9pPr>
   </p:defaultTextStyle>
+  <p:extLst>
+    <p:ext uri="{EFAFB233-063F-42B5-8137-9DF3F51BA10A}">
+      <p15:sldGuideLst xmlns:p15="http://schemas.microsoft.com/office/powerpoint/2012/main"/>
+    </p:ext>
+  </p:extLst>
 </p:presentation>
 </file>
 
@@ -238,7 +243,7 @@
           <a:p>
             <a:fld id="{28513174-B6A0-0744-9CCF-A44042B3BA5C}" type="datetimeFigureOut">
               <a:rPr lang="en-US" smtClean="0"/>
-              <a:t>10/14/20</a:t>
+              <a:t>10/19/20</a:t>
             </a:fld>
             <a:endParaRPr lang="en-US"/>
           </a:p>
@@ -408,7 +413,7 @@
           <a:p>
             <a:fld id="{28513174-B6A0-0744-9CCF-A44042B3BA5C}" type="datetimeFigureOut">
               <a:rPr lang="en-US" smtClean="0"/>
-              <a:t>10/14/20</a:t>
+              <a:t>10/19/20</a:t>
             </a:fld>
             <a:endParaRPr lang="en-US"/>
           </a:p>
@@ -588,7 +593,7 @@
           <a:p>
             <a:fld id="{28513174-B6A0-0744-9CCF-A44042B3BA5C}" type="datetimeFigureOut">
               <a:rPr lang="en-US" smtClean="0"/>
-              <a:t>10/14/20</a:t>
+              <a:t>10/19/20</a:t>
             </a:fld>
             <a:endParaRPr lang="en-US"/>
           </a:p>
@@ -758,7 +763,7 @@
           <a:p>
             <a:fld id="{28513174-B6A0-0744-9CCF-A44042B3BA5C}" type="datetimeFigureOut">
               <a:rPr lang="en-US" smtClean="0"/>
-              <a:t>10/14/20</a:t>
+              <a:t>10/19/20</a:t>
             </a:fld>
             <a:endParaRPr lang="en-US"/>
           </a:p>
@@ -1002,7 +1007,7 @@
           <a:p>
             <a:fld id="{28513174-B6A0-0744-9CCF-A44042B3BA5C}" type="datetimeFigureOut">
               <a:rPr lang="en-US" smtClean="0"/>
-              <a:t>10/14/20</a:t>
+              <a:t>10/19/20</a:t>
             </a:fld>
             <a:endParaRPr lang="en-US"/>
           </a:p>
@@ -1234,7 +1239,7 @@
           <a:p>
             <a:fld id="{28513174-B6A0-0744-9CCF-A44042B3BA5C}" type="datetimeFigureOut">
               <a:rPr lang="en-US" smtClean="0"/>
-              <a:t>10/14/20</a:t>
+              <a:t>10/19/20</a:t>
             </a:fld>
             <a:endParaRPr lang="en-US"/>
           </a:p>
@@ -1601,7 +1606,7 @@
           <a:p>
             <a:fld id="{28513174-B6A0-0744-9CCF-A44042B3BA5C}" type="datetimeFigureOut">
               <a:rPr lang="en-US" smtClean="0"/>
-              <a:t>10/14/20</a:t>
+              <a:t>10/19/20</a:t>
             </a:fld>
             <a:endParaRPr lang="en-US"/>
           </a:p>
@@ -1719,7 +1724,7 @@
           <a:p>
             <a:fld id="{28513174-B6A0-0744-9CCF-A44042B3BA5C}" type="datetimeFigureOut">
               <a:rPr lang="en-US" smtClean="0"/>
-              <a:t>10/14/20</a:t>
+              <a:t>10/19/20</a:t>
             </a:fld>
             <a:endParaRPr lang="en-US"/>
           </a:p>
@@ -1814,7 +1819,7 @@
           <a:p>
             <a:fld id="{28513174-B6A0-0744-9CCF-A44042B3BA5C}" type="datetimeFigureOut">
               <a:rPr lang="en-US" smtClean="0"/>
-              <a:t>10/14/20</a:t>
+              <a:t>10/19/20</a:t>
             </a:fld>
             <a:endParaRPr lang="en-US"/>
           </a:p>
@@ -2091,7 +2096,7 @@
           <a:p>
             <a:fld id="{28513174-B6A0-0744-9CCF-A44042B3BA5C}" type="datetimeFigureOut">
               <a:rPr lang="en-US" smtClean="0"/>
-              <a:t>10/14/20</a:t>
+              <a:t>10/19/20</a:t>
             </a:fld>
             <a:endParaRPr lang="en-US"/>
           </a:p>
@@ -2348,7 +2353,7 @@
           <a:p>
             <a:fld id="{28513174-B6A0-0744-9CCF-A44042B3BA5C}" type="datetimeFigureOut">
               <a:rPr lang="en-US" smtClean="0"/>
-              <a:t>10/14/20</a:t>
+              <a:t>10/19/20</a:t>
             </a:fld>
             <a:endParaRPr lang="en-US"/>
           </a:p>
@@ -2561,7 +2566,7 @@
           <a:p>
             <a:fld id="{28513174-B6A0-0744-9CCF-A44042B3BA5C}" type="datetimeFigureOut">
               <a:rPr lang="en-US" smtClean="0"/>
-              <a:t>10/14/20</a:t>
+              <a:t>10/19/20</a:t>
             </a:fld>
             <a:endParaRPr lang="en-US"/>
           </a:p>
@@ -2968,10 +2973,10 @@
       </p:grpSpPr>
       <p:pic>
         <p:nvPicPr>
-          <p:cNvPr id="12" name="Picture 11">
+          <p:cNvPr id="5" name="Picture 4">
             <a:extLst>
               <a:ext uri="{FF2B5EF4-FFF2-40B4-BE49-F238E27FC236}">
-                <a16:creationId xmlns:a16="http://schemas.microsoft.com/office/drawing/2014/main" id="{FEE9866A-3BF8-5F46-B493-413E2C819CA3}"/>
+                <a16:creationId xmlns:a16="http://schemas.microsoft.com/office/drawing/2014/main" id="{E318E61F-9565-AA46-864D-E2D2D712C811}"/>
               </a:ext>
             </a:extLst>
           </p:cNvPr>
@@ -2988,8 +2993,8 @@
         </p:blipFill>
         <p:spPr>
           <a:xfrm>
-            <a:off x="798820" y="228600"/>
-            <a:ext cx="4141694" cy="3200400"/>
+            <a:off x="754381" y="390405"/>
+            <a:ext cx="4523591" cy="3200400"/>
           </a:xfrm>
           <a:prstGeom prst="rect">
             <a:avLst/>
@@ -2998,10 +3003,10 @@
       </p:pic>
       <p:pic>
         <p:nvPicPr>
-          <p:cNvPr id="14" name="Picture 13">
+          <p:cNvPr id="3" name="Picture 2">
             <a:extLst>
               <a:ext uri="{FF2B5EF4-FFF2-40B4-BE49-F238E27FC236}">
-                <a16:creationId xmlns:a16="http://schemas.microsoft.com/office/drawing/2014/main" id="{EC9E8075-0B52-9C4A-B150-5AFA5B0CA5F0}"/>
+                <a16:creationId xmlns:a16="http://schemas.microsoft.com/office/drawing/2014/main" id="{CACB36AA-B2F3-E642-BEA4-1B68B2B57F03}"/>
               </a:ext>
             </a:extLst>
           </p:cNvPr>
@@ -3018,8 +3023,8 @@
         </p:blipFill>
         <p:spPr>
           <a:xfrm>
-            <a:off x="798820" y="3497579"/>
-            <a:ext cx="4141694" cy="3200400"/>
+            <a:off x="754381" y="3564373"/>
+            <a:ext cx="4523591" cy="3200400"/>
           </a:xfrm>
           <a:prstGeom prst="rect">
             <a:avLst/>
@@ -3047,7 +3052,7 @@
         </p:blipFill>
         <p:spPr>
           <a:xfrm>
-            <a:off x="1226708" y="166368"/>
+            <a:off x="1226708" y="351034"/>
             <a:ext cx="1642959" cy="382271"/>
           </a:xfrm>
           <a:prstGeom prst="rect">
@@ -3098,7 +3103,7 @@
         </p:nvSpPr>
         <p:spPr>
           <a:xfrm>
-            <a:off x="4220622" y="363973"/>
+            <a:off x="4572000" y="363973"/>
             <a:ext cx="351378" cy="369332"/>
           </a:xfrm>
           <a:prstGeom prst="rect">
@@ -3135,7 +3140,7 @@
         </p:nvSpPr>
         <p:spPr>
           <a:xfrm>
-            <a:off x="4220622" y="3564373"/>
+            <a:off x="4572000" y="3574016"/>
             <a:ext cx="351378" cy="369332"/>
           </a:xfrm>
           <a:prstGeom prst="rect">

--- a/results/Simulation_10.10.2020/Real_DataPanel.pptx
+++ b/results/Simulation_10.10.2020/Real_DataPanel.pptx
@@ -3081,7 +3081,7 @@
         </p:blipFill>
         <p:spPr>
           <a:xfrm>
-            <a:off x="1341541" y="5749290"/>
+            <a:off x="1341541" y="5795010"/>
             <a:ext cx="2045970" cy="560071"/>
           </a:xfrm>
           <a:prstGeom prst="rect">
